--- a/산출물/성창민_하나로.pptx
+++ b/산출물/성창민_하나로.pptx
@@ -18,12 +18,15 @@
     <p:sldId id="266" r:id="rId12"/>
     <p:sldId id="267" r:id="rId13"/>
     <p:sldId id="268" r:id="rId14"/>
-    <p:sldId id="269" r:id="rId15"/>
-    <p:sldId id="270" r:id="rId16"/>
+    <p:sldId id="270" r:id="rId15"/>
+    <p:sldId id="269" r:id="rId16"/>
     <p:sldId id="271" r:id="rId17"/>
-    <p:sldId id="272" r:id="rId18"/>
-    <p:sldId id="273" r:id="rId19"/>
+    <p:sldId id="273" r:id="rId18"/>
+    <p:sldId id="272" r:id="rId19"/>
     <p:sldId id="274" r:id="rId20"/>
+    <p:sldId id="275" r:id="rId21"/>
+    <p:sldId id="276" r:id="rId22"/>
+    <p:sldId id="277" r:id="rId23"/>
   </p:sldIdLst>
   <p:sldSz cx="12192000" cy="6858000"/>
   <p:notesSz cx="6858000" cy="9144000"/>
@@ -122,6 +125,11 @@
       </a:defRPr>
     </a:lvl9pPr>
   </p:defaultTextStyle>
+  <p:extLst>
+    <p:ext uri="{EFAFB233-063F-42B5-8137-9DF3F51BA10A}">
+      <p15:sldGuideLst xmlns:p15="http://schemas.microsoft.com/office/powerpoint/2012/main"/>
+    </p:ext>
+  </p:extLst>
 </p:presentation>
 </file>
 
@@ -3396,7 +3404,7 @@
         <p:cNvPr id="1" name="">
           <a:extLst>
             <a:ext uri="{FF2B5EF4-FFF2-40B4-BE49-F238E27FC236}">
-              <a16:creationId xmlns:a16="http://schemas.microsoft.com/office/drawing/2014/main" id="{CE8607C1-357D-983E-A15E-ED4836CA4CF0}"/>
+              <a16:creationId xmlns:a16="http://schemas.microsoft.com/office/drawing/2014/main" id="{4936CAC1-F915-C4B7-A1AB-41A8155B1971}"/>
             </a:ext>
           </a:extLst>
         </p:cNvPr>
@@ -3413,10 +3421,10 @@
       </p:grpSpPr>
       <p:pic>
         <p:nvPicPr>
-          <p:cNvPr id="3" name="그림 2" descr="텍스트, 스크린샷, 도표, 폰트이(가) 표시된 사진&#10;&#10;자동 생성된 설명">
-            <a:extLst>
-              <a:ext uri="{FF2B5EF4-FFF2-40B4-BE49-F238E27FC236}">
-                <a16:creationId xmlns:a16="http://schemas.microsoft.com/office/drawing/2014/main" id="{B12F4B10-0D2A-8748-88E5-7130A5E7A533}"/>
+          <p:cNvPr id="3" name="그림 2" descr="텍스트, 스크린샷, 폰트, 번호이(가) 표시된 사진&#10;&#10;자동 생성된 설명">
+            <a:extLst>
+              <a:ext uri="{FF2B5EF4-FFF2-40B4-BE49-F238E27FC236}">
+                <a16:creationId xmlns:a16="http://schemas.microsoft.com/office/drawing/2014/main" id="{6634125A-DAAE-3DA0-1A24-2A5C6C495246}"/>
               </a:ext>
             </a:extLst>
           </p:cNvPr>
@@ -3450,7 +3458,7 @@
     </p:spTree>
     <p:extLst>
       <p:ext uri="{BB962C8B-B14F-4D97-AF65-F5344CB8AC3E}">
-        <p14:creationId xmlns:p14="http://schemas.microsoft.com/office/powerpoint/2010/main" val="1839145019"/>
+        <p14:creationId xmlns:p14="http://schemas.microsoft.com/office/powerpoint/2010/main" val="939509493"/>
       </p:ext>
     </p:extLst>
   </p:cSld>
@@ -3468,7 +3476,7 @@
         <p:cNvPr id="1" name="">
           <a:extLst>
             <a:ext uri="{FF2B5EF4-FFF2-40B4-BE49-F238E27FC236}">
-              <a16:creationId xmlns:a16="http://schemas.microsoft.com/office/drawing/2014/main" id="{E6D0A148-6B98-5436-6CC0-895D06C33952}"/>
+              <a16:creationId xmlns:a16="http://schemas.microsoft.com/office/drawing/2014/main" id="{F034B38B-CBC4-F8EF-D7C3-6D8186EA1DEA}"/>
             </a:ext>
           </a:extLst>
         </p:cNvPr>
@@ -3485,10 +3493,10 @@
       </p:grpSpPr>
       <p:pic>
         <p:nvPicPr>
-          <p:cNvPr id="3" name="그림 2" descr="텍스트, 스크린샷, 폰트, 번호이(가) 표시된 사진&#10;&#10;자동 생성된 설명">
-            <a:extLst>
-              <a:ext uri="{FF2B5EF4-FFF2-40B4-BE49-F238E27FC236}">
-                <a16:creationId xmlns:a16="http://schemas.microsoft.com/office/drawing/2014/main" id="{9F1405A3-A987-12A2-2826-1690F2747289}"/>
+          <p:cNvPr id="3" name="그림 2" descr="텍스트, 스크린샷, 폰트, 브랜드이(가) 표시된 사진&#10;&#10;자동 생성된 설명">
+            <a:extLst>
+              <a:ext uri="{FF2B5EF4-FFF2-40B4-BE49-F238E27FC236}">
+                <a16:creationId xmlns:a16="http://schemas.microsoft.com/office/drawing/2014/main" id="{2C897FD5-BB50-FCBC-78AE-4A7730078330}"/>
               </a:ext>
             </a:extLst>
           </p:cNvPr>
@@ -3522,7 +3530,7 @@
     </p:spTree>
     <p:extLst>
       <p:ext uri="{BB962C8B-B14F-4D97-AF65-F5344CB8AC3E}">
-        <p14:creationId xmlns:p14="http://schemas.microsoft.com/office/powerpoint/2010/main" val="794069974"/>
+        <p14:creationId xmlns:p14="http://schemas.microsoft.com/office/powerpoint/2010/main" val="2536418063"/>
       </p:ext>
     </p:extLst>
   </p:cSld>
@@ -3540,7 +3548,7 @@
         <p:cNvPr id="1" name="">
           <a:extLst>
             <a:ext uri="{FF2B5EF4-FFF2-40B4-BE49-F238E27FC236}">
-              <a16:creationId xmlns:a16="http://schemas.microsoft.com/office/drawing/2014/main" id="{EFE05E12-0890-7D68-15BB-E7352B6818E7}"/>
+              <a16:creationId xmlns:a16="http://schemas.microsoft.com/office/drawing/2014/main" id="{FE0970A8-17BF-ACB7-5E43-6BC01082C32E}"/>
             </a:ext>
           </a:extLst>
         </p:cNvPr>
@@ -3557,10 +3565,10 @@
       </p:grpSpPr>
       <p:pic>
         <p:nvPicPr>
-          <p:cNvPr id="3" name="그림 2" descr="텍스트, 스크린샷, 폰트, 웹 페이지이(가) 표시된 사진&#10;&#10;자동 생성된 설명">
-            <a:extLst>
-              <a:ext uri="{FF2B5EF4-FFF2-40B4-BE49-F238E27FC236}">
-                <a16:creationId xmlns:a16="http://schemas.microsoft.com/office/drawing/2014/main" id="{94039FF5-53DA-C73D-B45E-BC617C685F58}"/>
+          <p:cNvPr id="3" name="그림 2" descr="텍스트, 스크린샷, 폰트, 도표이(가) 표시된 사진&#10;&#10;자동 생성된 설명">
+            <a:extLst>
+              <a:ext uri="{FF2B5EF4-FFF2-40B4-BE49-F238E27FC236}">
+                <a16:creationId xmlns:a16="http://schemas.microsoft.com/office/drawing/2014/main" id="{4802D699-6BA1-E033-133A-E4A209A9579D}"/>
               </a:ext>
             </a:extLst>
           </p:cNvPr>
@@ -3594,7 +3602,7 @@
     </p:spTree>
     <p:extLst>
       <p:ext uri="{BB962C8B-B14F-4D97-AF65-F5344CB8AC3E}">
-        <p14:creationId xmlns:p14="http://schemas.microsoft.com/office/powerpoint/2010/main" val="1792054070"/>
+        <p14:creationId xmlns:p14="http://schemas.microsoft.com/office/powerpoint/2010/main" val="734623061"/>
       </p:ext>
     </p:extLst>
   </p:cSld>
@@ -3612,7 +3620,7 @@
         <p:cNvPr id="1" name="">
           <a:extLst>
             <a:ext uri="{FF2B5EF4-FFF2-40B4-BE49-F238E27FC236}">
-              <a16:creationId xmlns:a16="http://schemas.microsoft.com/office/drawing/2014/main" id="{8E607D69-DE96-A135-F42F-BFB792DE93A2}"/>
+              <a16:creationId xmlns:a16="http://schemas.microsoft.com/office/drawing/2014/main" id="{40713E7B-7F88-3616-6795-CD8A59691ADC}"/>
             </a:ext>
           </a:extLst>
         </p:cNvPr>
@@ -3629,10 +3637,10 @@
       </p:grpSpPr>
       <p:pic>
         <p:nvPicPr>
-          <p:cNvPr id="3" name="그림 2" descr="텍스트, 스크린샷, 온라인 광고이(가) 표시된 사진&#10;&#10;자동 생성된 설명">
-            <a:extLst>
-              <a:ext uri="{FF2B5EF4-FFF2-40B4-BE49-F238E27FC236}">
-                <a16:creationId xmlns:a16="http://schemas.microsoft.com/office/drawing/2014/main" id="{ADBAE96A-ED1B-D232-AB6A-D9039A0FF79D}"/>
+          <p:cNvPr id="3" name="그림 2" descr="텍스트, 스크린샷, 폰트, 번호이(가) 표시된 사진&#10;&#10;자동 생성된 설명">
+            <a:extLst>
+              <a:ext uri="{FF2B5EF4-FFF2-40B4-BE49-F238E27FC236}">
+                <a16:creationId xmlns:a16="http://schemas.microsoft.com/office/drawing/2014/main" id="{FBAAA86A-EE1A-9488-EFB0-8100F56E8EFC}"/>
               </a:ext>
             </a:extLst>
           </p:cNvPr>
@@ -3666,7 +3674,7 @@
     </p:spTree>
     <p:extLst>
       <p:ext uri="{BB962C8B-B14F-4D97-AF65-F5344CB8AC3E}">
-        <p14:creationId xmlns:p14="http://schemas.microsoft.com/office/powerpoint/2010/main" val="2170050369"/>
+        <p14:creationId xmlns:p14="http://schemas.microsoft.com/office/powerpoint/2010/main" val="371450272"/>
       </p:ext>
     </p:extLst>
   </p:cSld>
@@ -3684,7 +3692,7 @@
         <p:cNvPr id="1" name="">
           <a:extLst>
             <a:ext uri="{FF2B5EF4-FFF2-40B4-BE49-F238E27FC236}">
-              <a16:creationId xmlns:a16="http://schemas.microsoft.com/office/drawing/2014/main" id="{E261B961-101D-33BC-7385-C157FFC0134A}"/>
+              <a16:creationId xmlns:a16="http://schemas.microsoft.com/office/drawing/2014/main" id="{077B45FD-F695-9253-DB92-372B5E467ADC}"/>
             </a:ext>
           </a:extLst>
         </p:cNvPr>
@@ -3701,10 +3709,10 @@
       </p:grpSpPr>
       <p:pic>
         <p:nvPicPr>
-          <p:cNvPr id="3" name="그림 2" descr="텍스트, 스크린샷, 폰트, 번호이(가) 표시된 사진&#10;&#10;자동 생성된 설명">
-            <a:extLst>
-              <a:ext uri="{FF2B5EF4-FFF2-40B4-BE49-F238E27FC236}">
-                <a16:creationId xmlns:a16="http://schemas.microsoft.com/office/drawing/2014/main" id="{307A3D10-9156-222E-BC3C-44FF54CFB3EF}"/>
+          <p:cNvPr id="3" name="그림 2" descr="텍스트, 스크린샷, 소프트웨어, 디스플레이이(가) 표시된 사진&#10;&#10;자동 생성된 설명">
+            <a:extLst>
+              <a:ext uri="{FF2B5EF4-FFF2-40B4-BE49-F238E27FC236}">
+                <a16:creationId xmlns:a16="http://schemas.microsoft.com/office/drawing/2014/main" id="{BE909709-0B78-8EC5-8F4B-0056583C9CB5}"/>
               </a:ext>
             </a:extLst>
           </p:cNvPr>
@@ -3738,7 +3746,7 @@
     </p:spTree>
     <p:extLst>
       <p:ext uri="{BB962C8B-B14F-4D97-AF65-F5344CB8AC3E}">
-        <p14:creationId xmlns:p14="http://schemas.microsoft.com/office/powerpoint/2010/main" val="1677449244"/>
+        <p14:creationId xmlns:p14="http://schemas.microsoft.com/office/powerpoint/2010/main" val="1460287044"/>
       </p:ext>
     </p:extLst>
   </p:cSld>
@@ -3756,7 +3764,7 @@
         <p:cNvPr id="1" name="">
           <a:extLst>
             <a:ext uri="{FF2B5EF4-FFF2-40B4-BE49-F238E27FC236}">
-              <a16:creationId xmlns:a16="http://schemas.microsoft.com/office/drawing/2014/main" id="{17602C49-457D-E501-7476-2DA13D5C04D4}"/>
+              <a16:creationId xmlns:a16="http://schemas.microsoft.com/office/drawing/2014/main" id="{12215ACB-BAA6-D6BC-AEC8-171C25AF751D}"/>
             </a:ext>
           </a:extLst>
         </p:cNvPr>
@@ -3773,10 +3781,10 @@
       </p:grpSpPr>
       <p:pic>
         <p:nvPicPr>
-          <p:cNvPr id="3" name="그림 2" descr="텍스트, 스크린샷, 폰트, 브랜드이(가) 표시된 사진&#10;&#10;자동 생성된 설명">
-            <a:extLst>
-              <a:ext uri="{FF2B5EF4-FFF2-40B4-BE49-F238E27FC236}">
-                <a16:creationId xmlns:a16="http://schemas.microsoft.com/office/drawing/2014/main" id="{5308E01F-F0FB-FFF5-4D7F-3BE944C20225}"/>
+          <p:cNvPr id="3" name="그림 2" descr="텍스트, 스크린샷, 소프트웨어, 디스플레이이(가) 표시된 사진&#10;&#10;자동 생성된 설명">
+            <a:extLst>
+              <a:ext uri="{FF2B5EF4-FFF2-40B4-BE49-F238E27FC236}">
+                <a16:creationId xmlns:a16="http://schemas.microsoft.com/office/drawing/2014/main" id="{2C8FEBA4-963C-23D5-E7B5-98614EB2A77F}"/>
               </a:ext>
             </a:extLst>
           </p:cNvPr>
@@ -3810,7 +3818,7 @@
     </p:spTree>
     <p:extLst>
       <p:ext uri="{BB962C8B-B14F-4D97-AF65-F5344CB8AC3E}">
-        <p14:creationId xmlns:p14="http://schemas.microsoft.com/office/powerpoint/2010/main" val="3686354782"/>
+        <p14:creationId xmlns:p14="http://schemas.microsoft.com/office/powerpoint/2010/main" val="2796185169"/>
       </p:ext>
     </p:extLst>
   </p:cSld>
@@ -3828,7 +3836,7 @@
         <p:cNvPr id="1" name="">
           <a:extLst>
             <a:ext uri="{FF2B5EF4-FFF2-40B4-BE49-F238E27FC236}">
-              <a16:creationId xmlns:a16="http://schemas.microsoft.com/office/drawing/2014/main" id="{871F9072-F8A3-CDC1-8392-7188AD3E4FBF}"/>
+              <a16:creationId xmlns:a16="http://schemas.microsoft.com/office/drawing/2014/main" id="{162A5BA7-5585-C537-F8B8-5F2F1C12268C}"/>
             </a:ext>
           </a:extLst>
         </p:cNvPr>
@@ -3845,10 +3853,10 @@
       </p:grpSpPr>
       <p:pic>
         <p:nvPicPr>
-          <p:cNvPr id="3" name="그림 2" descr="텍스트, 스크린샷, 폰트, 도표이(가) 표시된 사진&#10;&#10;자동 생성된 설명">
-            <a:extLst>
-              <a:ext uri="{FF2B5EF4-FFF2-40B4-BE49-F238E27FC236}">
-                <a16:creationId xmlns:a16="http://schemas.microsoft.com/office/drawing/2014/main" id="{78FC99B8-56A9-47B9-137E-4656C86FE234}"/>
+          <p:cNvPr id="3" name="그림 2" descr="텍스트, 스크린샷, 디스플레이, 소프트웨어이(가) 표시된 사진&#10;&#10;자동 생성된 설명">
+            <a:extLst>
+              <a:ext uri="{FF2B5EF4-FFF2-40B4-BE49-F238E27FC236}">
+                <a16:creationId xmlns:a16="http://schemas.microsoft.com/office/drawing/2014/main" id="{70A82656-5CA6-0A0A-EA6A-E67BD19CEC77}"/>
               </a:ext>
             </a:extLst>
           </p:cNvPr>
@@ -3882,7 +3890,7 @@
     </p:spTree>
     <p:extLst>
       <p:ext uri="{BB962C8B-B14F-4D97-AF65-F5344CB8AC3E}">
-        <p14:creationId xmlns:p14="http://schemas.microsoft.com/office/powerpoint/2010/main" val="3585770073"/>
+        <p14:creationId xmlns:p14="http://schemas.microsoft.com/office/powerpoint/2010/main" val="2324938204"/>
       </p:ext>
     </p:extLst>
   </p:cSld>
@@ -3900,7 +3908,7 @@
         <p:cNvPr id="1" name="">
           <a:extLst>
             <a:ext uri="{FF2B5EF4-FFF2-40B4-BE49-F238E27FC236}">
-              <a16:creationId xmlns:a16="http://schemas.microsoft.com/office/drawing/2014/main" id="{4929F410-25BE-9B00-D6E1-259F8FE2C3A2}"/>
+              <a16:creationId xmlns:a16="http://schemas.microsoft.com/office/drawing/2014/main" id="{1149525F-067A-A032-6D04-075D55CE3D7C}"/>
             </a:ext>
           </a:extLst>
         </p:cNvPr>
@@ -3920,7 +3928,7 @@
           <p:cNvPr id="3" name="그림 2" descr="텍스트, 스크린샷, 폰트, 번호이(가) 표시된 사진&#10;&#10;자동 생성된 설명">
             <a:extLst>
               <a:ext uri="{FF2B5EF4-FFF2-40B4-BE49-F238E27FC236}">
-                <a16:creationId xmlns:a16="http://schemas.microsoft.com/office/drawing/2014/main" id="{8A3EE41B-B283-DF46-74A5-5C0FF0AA7651}"/>
+                <a16:creationId xmlns:a16="http://schemas.microsoft.com/office/drawing/2014/main" id="{99BE4D1F-2AF0-445A-ACC4-B57C85D025AF}"/>
               </a:ext>
             </a:extLst>
           </p:cNvPr>
@@ -3954,7 +3962,7 @@
     </p:spTree>
     <p:extLst>
       <p:ext uri="{BB962C8B-B14F-4D97-AF65-F5344CB8AC3E}">
-        <p14:creationId xmlns:p14="http://schemas.microsoft.com/office/powerpoint/2010/main" val="149082275"/>
+        <p14:creationId xmlns:p14="http://schemas.microsoft.com/office/powerpoint/2010/main" val="1640610327"/>
       </p:ext>
     </p:extLst>
   </p:cSld>
@@ -3972,7 +3980,7 @@
         <p:cNvPr id="1" name="">
           <a:extLst>
             <a:ext uri="{FF2B5EF4-FFF2-40B4-BE49-F238E27FC236}">
-              <a16:creationId xmlns:a16="http://schemas.microsoft.com/office/drawing/2014/main" id="{7C9F49CE-EC3E-F8C4-9449-F5EBFE81F31E}"/>
+              <a16:creationId xmlns:a16="http://schemas.microsoft.com/office/drawing/2014/main" id="{C1184109-B191-DBF4-6BD1-A83E8A155734}"/>
             </a:ext>
           </a:extLst>
         </p:cNvPr>
@@ -3989,10 +3997,10 @@
       </p:grpSpPr>
       <p:pic>
         <p:nvPicPr>
-          <p:cNvPr id="3" name="그림 2" descr="텍스트, 스크린샷, 소프트웨어, 디스플레이이(가) 표시된 사진&#10;&#10;자동 생성된 설명">
-            <a:extLst>
-              <a:ext uri="{FF2B5EF4-FFF2-40B4-BE49-F238E27FC236}">
-                <a16:creationId xmlns:a16="http://schemas.microsoft.com/office/drawing/2014/main" id="{6CA715AB-2EA9-F702-95DD-B46655F5B25E}"/>
+          <p:cNvPr id="3" name="그림 2" descr="텍스트, 스크린샷, 도표, 폰트이(가) 표시된 사진&#10;&#10;자동 생성된 설명">
+            <a:extLst>
+              <a:ext uri="{FF2B5EF4-FFF2-40B4-BE49-F238E27FC236}">
+                <a16:creationId xmlns:a16="http://schemas.microsoft.com/office/drawing/2014/main" id="{B6F5F23A-8CD9-B81F-B0B1-067B49D8BF45}"/>
               </a:ext>
             </a:extLst>
           </p:cNvPr>
@@ -4026,7 +4034,7 @@
     </p:spTree>
     <p:extLst>
       <p:ext uri="{BB962C8B-B14F-4D97-AF65-F5344CB8AC3E}">
-        <p14:creationId xmlns:p14="http://schemas.microsoft.com/office/powerpoint/2010/main" val="2808160131"/>
+        <p14:creationId xmlns:p14="http://schemas.microsoft.com/office/powerpoint/2010/main" val="667061087"/>
       </p:ext>
     </p:extLst>
   </p:cSld>
@@ -4044,7 +4052,7 @@
         <p:cNvPr id="1" name="">
           <a:extLst>
             <a:ext uri="{FF2B5EF4-FFF2-40B4-BE49-F238E27FC236}">
-              <a16:creationId xmlns:a16="http://schemas.microsoft.com/office/drawing/2014/main" id="{494705B8-6AA1-1C94-CA95-50CCD5D585B0}"/>
+              <a16:creationId xmlns:a16="http://schemas.microsoft.com/office/drawing/2014/main" id="{B4FFBCCA-11D1-D876-1F71-CFD135339D96}"/>
             </a:ext>
           </a:extLst>
         </p:cNvPr>
@@ -4061,10 +4069,10 @@
       </p:grpSpPr>
       <p:pic>
         <p:nvPicPr>
-          <p:cNvPr id="3" name="그림 2" descr="텍스트, 스크린샷, 소프트웨어, 디스플레이이(가) 표시된 사진&#10;&#10;자동 생성된 설명">
-            <a:extLst>
-              <a:ext uri="{FF2B5EF4-FFF2-40B4-BE49-F238E27FC236}">
-                <a16:creationId xmlns:a16="http://schemas.microsoft.com/office/drawing/2014/main" id="{305B0411-CB91-F252-D4BD-EC78CEC8D4AD}"/>
+          <p:cNvPr id="3" name="그림 2" descr="텍스트, 스크린샷, 소프트웨어, 웹 페이지이(가) 표시된 사진&#10;&#10;자동 생성된 설명">
+            <a:extLst>
+              <a:ext uri="{FF2B5EF4-FFF2-40B4-BE49-F238E27FC236}">
+                <a16:creationId xmlns:a16="http://schemas.microsoft.com/office/drawing/2014/main" id="{693ED71C-D8FD-6ABB-7A95-6F1D97F684F1}"/>
               </a:ext>
             </a:extLst>
           </p:cNvPr>
@@ -4098,7 +4106,7 @@
     </p:spTree>
     <p:extLst>
       <p:ext uri="{BB962C8B-B14F-4D97-AF65-F5344CB8AC3E}">
-        <p14:creationId xmlns:p14="http://schemas.microsoft.com/office/powerpoint/2010/main" val="2245345343"/>
+        <p14:creationId xmlns:p14="http://schemas.microsoft.com/office/powerpoint/2010/main" val="3678291720"/>
       </p:ext>
     </p:extLst>
   </p:cSld>
@@ -4165,6 +4173,222 @@
     <p:extLst>
       <p:ext uri="{BB962C8B-B14F-4D97-AF65-F5344CB8AC3E}">
         <p14:creationId xmlns:p14="http://schemas.microsoft.com/office/powerpoint/2010/main" val="3042842881"/>
+      </p:ext>
+    </p:extLst>
+  </p:cSld>
+  <p:clrMapOvr>
+    <a:masterClrMapping/>
+  </p:clrMapOvr>
+</p:sld>
+</file>
+
+<file path=ppt/slides/slide20.xml><?xml version="1.0" encoding="utf-8"?>
+<p:sld xmlns:a="http://schemas.openxmlformats.org/drawingml/2006/main" xmlns:r="http://schemas.openxmlformats.org/officeDocument/2006/relationships" xmlns:p="http://schemas.openxmlformats.org/presentationml/2006/main">
+  <p:cSld>
+    <p:spTree>
+      <p:nvGrpSpPr>
+        <p:cNvPr id="1" name="">
+          <a:extLst>
+            <a:ext uri="{FF2B5EF4-FFF2-40B4-BE49-F238E27FC236}">
+              <a16:creationId xmlns:a16="http://schemas.microsoft.com/office/drawing/2014/main" id="{5C61296D-9040-FD61-F6DF-1131E89A519E}"/>
+            </a:ext>
+          </a:extLst>
+        </p:cNvPr>
+        <p:cNvGrpSpPr/>
+        <p:nvPr/>
+      </p:nvGrpSpPr>
+      <p:grpSpPr>
+        <a:xfrm>
+          <a:off x="0" y="0"/>
+          <a:ext cx="0" cy="0"/>
+          <a:chOff x="0" y="0"/>
+          <a:chExt cx="0" cy="0"/>
+        </a:xfrm>
+      </p:grpSpPr>
+      <p:pic>
+        <p:nvPicPr>
+          <p:cNvPr id="3" name="그림 2" descr="텍스트, 스크린샷, 소프트웨어, 컴퓨터 아이콘이(가) 표시된 사진&#10;&#10;자동 생성된 설명">
+            <a:extLst>
+              <a:ext uri="{FF2B5EF4-FFF2-40B4-BE49-F238E27FC236}">
+                <a16:creationId xmlns:a16="http://schemas.microsoft.com/office/drawing/2014/main" id="{6CFCFE1A-E170-21B6-A128-58FD52C508B0}"/>
+              </a:ext>
+            </a:extLst>
+          </p:cNvPr>
+          <p:cNvPicPr>
+            <a:picLocks noChangeAspect="1"/>
+          </p:cNvPicPr>
+          <p:nvPr/>
+        </p:nvPicPr>
+        <p:blipFill>
+          <a:blip r:embed="rId2">
+            <a:extLst>
+              <a:ext uri="{28A0092B-C50C-407E-A947-70E740481C1C}">
+                <a14:useLocalDpi xmlns:a14="http://schemas.microsoft.com/office/drawing/2010/main" val="0"/>
+              </a:ext>
+            </a:extLst>
+          </a:blip>
+          <a:stretch>
+            <a:fillRect/>
+          </a:stretch>
+        </p:blipFill>
+        <p:spPr>
+          <a:xfrm>
+            <a:off x="0" y="0"/>
+            <a:ext cx="12192000" cy="6858000"/>
+          </a:xfrm>
+          <a:prstGeom prst="rect">
+            <a:avLst/>
+          </a:prstGeom>
+        </p:spPr>
+      </p:pic>
+    </p:spTree>
+    <p:extLst>
+      <p:ext uri="{BB962C8B-B14F-4D97-AF65-F5344CB8AC3E}">
+        <p14:creationId xmlns:p14="http://schemas.microsoft.com/office/powerpoint/2010/main" val="324804465"/>
+      </p:ext>
+    </p:extLst>
+  </p:cSld>
+  <p:clrMapOvr>
+    <a:masterClrMapping/>
+  </p:clrMapOvr>
+</p:sld>
+</file>
+
+<file path=ppt/slides/slide21.xml><?xml version="1.0" encoding="utf-8"?>
+<p:sld xmlns:a="http://schemas.openxmlformats.org/drawingml/2006/main" xmlns:r="http://schemas.openxmlformats.org/officeDocument/2006/relationships" xmlns:p="http://schemas.openxmlformats.org/presentationml/2006/main">
+  <p:cSld>
+    <p:spTree>
+      <p:nvGrpSpPr>
+        <p:cNvPr id="1" name="">
+          <a:extLst>
+            <a:ext uri="{FF2B5EF4-FFF2-40B4-BE49-F238E27FC236}">
+              <a16:creationId xmlns:a16="http://schemas.microsoft.com/office/drawing/2014/main" id="{6574F4B3-5312-AF58-9ED7-ACEB1E8CE591}"/>
+            </a:ext>
+          </a:extLst>
+        </p:cNvPr>
+        <p:cNvGrpSpPr/>
+        <p:nvPr/>
+      </p:nvGrpSpPr>
+      <p:grpSpPr>
+        <a:xfrm>
+          <a:off x="0" y="0"/>
+          <a:ext cx="0" cy="0"/>
+          <a:chOff x="0" y="0"/>
+          <a:chExt cx="0" cy="0"/>
+        </a:xfrm>
+      </p:grpSpPr>
+      <p:pic>
+        <p:nvPicPr>
+          <p:cNvPr id="3" name="그림 2" descr="텍스트, 스크린샷, 만화 영화, 폰트이(가) 표시된 사진&#10;&#10;자동 생성된 설명">
+            <a:extLst>
+              <a:ext uri="{FF2B5EF4-FFF2-40B4-BE49-F238E27FC236}">
+                <a16:creationId xmlns:a16="http://schemas.microsoft.com/office/drawing/2014/main" id="{E043E936-77B2-FD2D-1671-BCFB867BC713}"/>
+              </a:ext>
+            </a:extLst>
+          </p:cNvPr>
+          <p:cNvPicPr>
+            <a:picLocks noChangeAspect="1"/>
+          </p:cNvPicPr>
+          <p:nvPr/>
+        </p:nvPicPr>
+        <p:blipFill>
+          <a:blip r:embed="rId2">
+            <a:extLst>
+              <a:ext uri="{28A0092B-C50C-407E-A947-70E740481C1C}">
+                <a14:useLocalDpi xmlns:a14="http://schemas.microsoft.com/office/drawing/2010/main" val="0"/>
+              </a:ext>
+            </a:extLst>
+          </a:blip>
+          <a:stretch>
+            <a:fillRect/>
+          </a:stretch>
+        </p:blipFill>
+        <p:spPr>
+          <a:xfrm>
+            <a:off x="0" y="0"/>
+            <a:ext cx="12192000" cy="6858000"/>
+          </a:xfrm>
+          <a:prstGeom prst="rect">
+            <a:avLst/>
+          </a:prstGeom>
+        </p:spPr>
+      </p:pic>
+    </p:spTree>
+    <p:extLst>
+      <p:ext uri="{BB962C8B-B14F-4D97-AF65-F5344CB8AC3E}">
+        <p14:creationId xmlns:p14="http://schemas.microsoft.com/office/powerpoint/2010/main" val="4018424015"/>
+      </p:ext>
+    </p:extLst>
+  </p:cSld>
+  <p:clrMapOvr>
+    <a:masterClrMapping/>
+  </p:clrMapOvr>
+</p:sld>
+</file>
+
+<file path=ppt/slides/slide22.xml><?xml version="1.0" encoding="utf-8"?>
+<p:sld xmlns:a="http://schemas.openxmlformats.org/drawingml/2006/main" xmlns:r="http://schemas.openxmlformats.org/officeDocument/2006/relationships" xmlns:p="http://schemas.openxmlformats.org/presentationml/2006/main">
+  <p:cSld>
+    <p:spTree>
+      <p:nvGrpSpPr>
+        <p:cNvPr id="1" name="">
+          <a:extLst>
+            <a:ext uri="{FF2B5EF4-FFF2-40B4-BE49-F238E27FC236}">
+              <a16:creationId xmlns:a16="http://schemas.microsoft.com/office/drawing/2014/main" id="{3B34C5E8-F343-9BED-44D2-8B871423D43F}"/>
+            </a:ext>
+          </a:extLst>
+        </p:cNvPr>
+        <p:cNvGrpSpPr/>
+        <p:nvPr/>
+      </p:nvGrpSpPr>
+      <p:grpSpPr>
+        <a:xfrm>
+          <a:off x="0" y="0"/>
+          <a:ext cx="0" cy="0"/>
+          <a:chOff x="0" y="0"/>
+          <a:chExt cx="0" cy="0"/>
+        </a:xfrm>
+      </p:grpSpPr>
+      <p:pic>
+        <p:nvPicPr>
+          <p:cNvPr id="5" name="그림 4" descr="텍스트, 스크린샷, 폰트, 번호이(가) 표시된 사진&#10;&#10;자동 생성된 설명">
+            <a:extLst>
+              <a:ext uri="{FF2B5EF4-FFF2-40B4-BE49-F238E27FC236}">
+                <a16:creationId xmlns:a16="http://schemas.microsoft.com/office/drawing/2014/main" id="{EE118F3E-D4BE-E6B2-60EC-CBEEBF67AD9E}"/>
+              </a:ext>
+            </a:extLst>
+          </p:cNvPr>
+          <p:cNvPicPr>
+            <a:picLocks noChangeAspect="1"/>
+          </p:cNvPicPr>
+          <p:nvPr/>
+        </p:nvPicPr>
+        <p:blipFill>
+          <a:blip r:embed="rId2">
+            <a:extLst>
+              <a:ext uri="{28A0092B-C50C-407E-A947-70E740481C1C}">
+                <a14:useLocalDpi xmlns:a14="http://schemas.microsoft.com/office/drawing/2010/main" val="0"/>
+              </a:ext>
+            </a:extLst>
+          </a:blip>
+          <a:stretch>
+            <a:fillRect/>
+          </a:stretch>
+        </p:blipFill>
+        <p:spPr>
+          <a:xfrm>
+            <a:off x="0" y="0"/>
+            <a:ext cx="12192000" cy="6858000"/>
+          </a:xfrm>
+          <a:prstGeom prst="rect">
+            <a:avLst/>
+          </a:prstGeom>
+        </p:spPr>
+      </p:pic>
+    </p:spTree>
+    <p:extLst>
+      <p:ext uri="{BB962C8B-B14F-4D97-AF65-F5344CB8AC3E}">
+        <p14:creationId xmlns:p14="http://schemas.microsoft.com/office/powerpoint/2010/main" val="4275268781"/>
       </p:ext>
     </p:extLst>
   </p:cSld>
@@ -4254,7 +4478,7 @@
         <p:cNvPr id="1" name="">
           <a:extLst>
             <a:ext uri="{FF2B5EF4-FFF2-40B4-BE49-F238E27FC236}">
-              <a16:creationId xmlns:a16="http://schemas.microsoft.com/office/drawing/2014/main" id="{1F4CD35D-7DB0-9A57-50A5-5EBFFE26D275}"/>
+              <a16:creationId xmlns:a16="http://schemas.microsoft.com/office/drawing/2014/main" id="{F2928C98-3750-6EA7-634E-17326984598C}"/>
             </a:ext>
           </a:extLst>
         </p:cNvPr>
@@ -4271,10 +4495,10 @@
       </p:grpSpPr>
       <p:pic>
         <p:nvPicPr>
-          <p:cNvPr id="3" name="그림 2" descr="텍스트, 스크린샷, 만화 영화이(가) 표시된 사진&#10;&#10;자동 생성된 설명">
-            <a:extLst>
-              <a:ext uri="{FF2B5EF4-FFF2-40B4-BE49-F238E27FC236}">
-                <a16:creationId xmlns:a16="http://schemas.microsoft.com/office/drawing/2014/main" id="{E9446FE5-5832-DFF9-9006-900510DA8029}"/>
+          <p:cNvPr id="2" name="그림 1" descr="텍스트, 스크린샷, 만화 영화이(가) 표시된 사진&#10;&#10;자동 생성된 설명">
+            <a:extLst>
+              <a:ext uri="{FF2B5EF4-FFF2-40B4-BE49-F238E27FC236}">
+                <a16:creationId xmlns:a16="http://schemas.microsoft.com/office/drawing/2014/main" id="{3382150C-9F31-4FE6-D62E-CA3614622CF0}"/>
               </a:ext>
             </a:extLst>
           </p:cNvPr>
@@ -4308,7 +4532,7 @@
     </p:spTree>
     <p:extLst>
       <p:ext uri="{BB962C8B-B14F-4D97-AF65-F5344CB8AC3E}">
-        <p14:creationId xmlns:p14="http://schemas.microsoft.com/office/powerpoint/2010/main" val="300281492"/>
+        <p14:creationId xmlns:p14="http://schemas.microsoft.com/office/powerpoint/2010/main" val="826077481"/>
       </p:ext>
     </p:extLst>
   </p:cSld>
@@ -4326,7 +4550,7 @@
         <p:cNvPr id="1" name="">
           <a:extLst>
             <a:ext uri="{FF2B5EF4-FFF2-40B4-BE49-F238E27FC236}">
-              <a16:creationId xmlns:a16="http://schemas.microsoft.com/office/drawing/2014/main" id="{DE2AD8F0-2CC1-4CC1-10E4-54519D472786}"/>
+              <a16:creationId xmlns:a16="http://schemas.microsoft.com/office/drawing/2014/main" id="{7F0DEAFC-74C7-55DB-42C0-1E940C5A4706}"/>
             </a:ext>
           </a:extLst>
         </p:cNvPr>
@@ -4343,10 +4567,10 @@
       </p:grpSpPr>
       <p:pic>
         <p:nvPicPr>
-          <p:cNvPr id="3" name="그림 2" descr="텍스트, 스크린샷, 폰트, 컴퓨터 아이콘이(가) 표시된 사진&#10;&#10;자동 생성된 설명">
-            <a:extLst>
-              <a:ext uri="{FF2B5EF4-FFF2-40B4-BE49-F238E27FC236}">
-                <a16:creationId xmlns:a16="http://schemas.microsoft.com/office/drawing/2014/main" id="{1FB8C194-4374-CE21-2DF5-DFFA9FDCC6B0}"/>
+          <p:cNvPr id="3" name="그림 2" descr="텍스트, 스크린샷, 폰트, 소프트웨어이(가) 표시된 사진&#10;&#10;자동 생성된 설명">
+            <a:extLst>
+              <a:ext uri="{FF2B5EF4-FFF2-40B4-BE49-F238E27FC236}">
+                <a16:creationId xmlns:a16="http://schemas.microsoft.com/office/drawing/2014/main" id="{E979B47D-5156-1195-CDF7-719D8B7AF75A}"/>
               </a:ext>
             </a:extLst>
           </p:cNvPr>
@@ -4380,7 +4604,7 @@
     </p:spTree>
     <p:extLst>
       <p:ext uri="{BB962C8B-B14F-4D97-AF65-F5344CB8AC3E}">
-        <p14:creationId xmlns:p14="http://schemas.microsoft.com/office/powerpoint/2010/main" val="3781825546"/>
+        <p14:creationId xmlns:p14="http://schemas.microsoft.com/office/powerpoint/2010/main" val="3394052043"/>
       </p:ext>
     </p:extLst>
   </p:cSld>
@@ -4398,7 +4622,7 @@
         <p:cNvPr id="1" name="">
           <a:extLst>
             <a:ext uri="{FF2B5EF4-FFF2-40B4-BE49-F238E27FC236}">
-              <a16:creationId xmlns:a16="http://schemas.microsoft.com/office/drawing/2014/main" id="{2D6C1C56-8E98-BFE2-204C-8F76ED52A400}"/>
+              <a16:creationId xmlns:a16="http://schemas.microsoft.com/office/drawing/2014/main" id="{6B203264-1AD4-9C8D-7D93-DFB40142428F}"/>
             </a:ext>
           </a:extLst>
         </p:cNvPr>
@@ -4415,10 +4639,10 @@
       </p:grpSpPr>
       <p:pic>
         <p:nvPicPr>
-          <p:cNvPr id="3" name="그림 2" descr="텍스트, 스크린샷, 만화 영화, 폰트이(가) 표시된 사진&#10;&#10;자동 생성된 설명">
-            <a:extLst>
-              <a:ext uri="{FF2B5EF4-FFF2-40B4-BE49-F238E27FC236}">
-                <a16:creationId xmlns:a16="http://schemas.microsoft.com/office/drawing/2014/main" id="{C80E793B-C97A-A2AB-F6AC-B650734B33F4}"/>
+          <p:cNvPr id="3" name="그림 2" descr="텍스트, 스크린샷, 소프트웨어, 컴퓨터 아이콘이(가) 표시된 사진&#10;&#10;자동 생성된 설명">
+            <a:extLst>
+              <a:ext uri="{FF2B5EF4-FFF2-40B4-BE49-F238E27FC236}">
+                <a16:creationId xmlns:a16="http://schemas.microsoft.com/office/drawing/2014/main" id="{2B9041C7-4C83-DD8E-E0BB-FEEEB5B294A8}"/>
               </a:ext>
             </a:extLst>
           </p:cNvPr>
@@ -4452,7 +4676,7 @@
     </p:spTree>
     <p:extLst>
       <p:ext uri="{BB962C8B-B14F-4D97-AF65-F5344CB8AC3E}">
-        <p14:creationId xmlns:p14="http://schemas.microsoft.com/office/powerpoint/2010/main" val="1945580707"/>
+        <p14:creationId xmlns:p14="http://schemas.microsoft.com/office/powerpoint/2010/main" val="1783425326"/>
       </p:ext>
     </p:extLst>
   </p:cSld>
@@ -4470,7 +4694,7 @@
         <p:cNvPr id="1" name="">
           <a:extLst>
             <a:ext uri="{FF2B5EF4-FFF2-40B4-BE49-F238E27FC236}">
-              <a16:creationId xmlns:a16="http://schemas.microsoft.com/office/drawing/2014/main" id="{29F44331-BDF0-A87A-302B-5C9BA34E0A70}"/>
+              <a16:creationId xmlns:a16="http://schemas.microsoft.com/office/drawing/2014/main" id="{F8556FB8-C4CE-B13A-F013-56280DFEBD09}"/>
             </a:ext>
           </a:extLst>
         </p:cNvPr>
@@ -4487,10 +4711,10 @@
       </p:grpSpPr>
       <p:pic>
         <p:nvPicPr>
-          <p:cNvPr id="3" name="그림 2" descr="텍스트, 스크린샷, 소프트웨어, 웹 페이지이(가) 표시된 사진&#10;&#10;자동 생성된 설명">
-            <a:extLst>
-              <a:ext uri="{FF2B5EF4-FFF2-40B4-BE49-F238E27FC236}">
-                <a16:creationId xmlns:a16="http://schemas.microsoft.com/office/drawing/2014/main" id="{91B6EF34-AD5C-1403-ADA7-5A28F67F9A4D}"/>
+          <p:cNvPr id="3" name="그림 2" descr="텍스트, 스크린샷, 폰트, 번호이(가) 표시된 사진&#10;&#10;자동 생성된 설명">
+            <a:extLst>
+              <a:ext uri="{FF2B5EF4-FFF2-40B4-BE49-F238E27FC236}">
+                <a16:creationId xmlns:a16="http://schemas.microsoft.com/office/drawing/2014/main" id="{C9FE3935-83E1-832F-82B9-D1791C577C57}"/>
               </a:ext>
             </a:extLst>
           </p:cNvPr>
@@ -4524,7 +4748,7 @@
     </p:spTree>
     <p:extLst>
       <p:ext uri="{BB962C8B-B14F-4D97-AF65-F5344CB8AC3E}">
-        <p14:creationId xmlns:p14="http://schemas.microsoft.com/office/powerpoint/2010/main" val="73902817"/>
+        <p14:creationId xmlns:p14="http://schemas.microsoft.com/office/powerpoint/2010/main" val="2031058884"/>
       </p:ext>
     </p:extLst>
   </p:cSld>
@@ -4542,7 +4766,7 @@
         <p:cNvPr id="1" name="">
           <a:extLst>
             <a:ext uri="{FF2B5EF4-FFF2-40B4-BE49-F238E27FC236}">
-              <a16:creationId xmlns:a16="http://schemas.microsoft.com/office/drawing/2014/main" id="{1CF0139A-E489-BF92-F227-4220B90691A9}"/>
+              <a16:creationId xmlns:a16="http://schemas.microsoft.com/office/drawing/2014/main" id="{150F8414-EA36-D7CD-7554-57F21E3DCEFA}"/>
             </a:ext>
           </a:extLst>
         </p:cNvPr>
@@ -4559,10 +4783,10 @@
       </p:grpSpPr>
       <p:pic>
         <p:nvPicPr>
-          <p:cNvPr id="3" name="그림 2">
-            <a:extLst>
-              <a:ext uri="{FF2B5EF4-FFF2-40B4-BE49-F238E27FC236}">
-                <a16:creationId xmlns:a16="http://schemas.microsoft.com/office/drawing/2014/main" id="{698B056F-212E-5F75-C044-6CC5D045E925}"/>
+          <p:cNvPr id="3" name="그림 2" descr="텍스트, 스크린샷, 폰트, 웹 페이지이(가) 표시된 사진&#10;&#10;자동 생성된 설명">
+            <a:extLst>
+              <a:ext uri="{FF2B5EF4-FFF2-40B4-BE49-F238E27FC236}">
+                <a16:creationId xmlns:a16="http://schemas.microsoft.com/office/drawing/2014/main" id="{960A67DD-8255-D90D-65DB-EFB04573966A}"/>
               </a:ext>
             </a:extLst>
           </p:cNvPr>
@@ -4596,7 +4820,7 @@
     </p:spTree>
     <p:extLst>
       <p:ext uri="{BB962C8B-B14F-4D97-AF65-F5344CB8AC3E}">
-        <p14:creationId xmlns:p14="http://schemas.microsoft.com/office/powerpoint/2010/main" val="4223021515"/>
+        <p14:creationId xmlns:p14="http://schemas.microsoft.com/office/powerpoint/2010/main" val="481705211"/>
       </p:ext>
     </p:extLst>
   </p:cSld>
@@ -4614,7 +4838,7 @@
         <p:cNvPr id="1" name="">
           <a:extLst>
             <a:ext uri="{FF2B5EF4-FFF2-40B4-BE49-F238E27FC236}">
-              <a16:creationId xmlns:a16="http://schemas.microsoft.com/office/drawing/2014/main" id="{125AAE24-40A1-8083-BE03-21CABDB30FB2}"/>
+              <a16:creationId xmlns:a16="http://schemas.microsoft.com/office/drawing/2014/main" id="{D60E898F-9503-3733-B653-1E0052181319}"/>
             </a:ext>
           </a:extLst>
         </p:cNvPr>
@@ -4631,10 +4855,10 @@
       </p:grpSpPr>
       <p:pic>
         <p:nvPicPr>
-          <p:cNvPr id="3" name="그림 2" descr="텍스트, 스크린샷, 폰트, 번호이(가) 표시된 사진&#10;&#10;자동 생성된 설명">
-            <a:extLst>
-              <a:ext uri="{FF2B5EF4-FFF2-40B4-BE49-F238E27FC236}">
-                <a16:creationId xmlns:a16="http://schemas.microsoft.com/office/drawing/2014/main" id="{CB0E84D4-88DF-BE5B-B8AE-9BC9235F7134}"/>
+          <p:cNvPr id="3" name="그림 2" descr="텍스트, 스크린샷, 온라인 광고, 디자인이(가) 표시된 사진&#10;&#10;자동 생성된 설명">
+            <a:extLst>
+              <a:ext uri="{FF2B5EF4-FFF2-40B4-BE49-F238E27FC236}">
+                <a16:creationId xmlns:a16="http://schemas.microsoft.com/office/drawing/2014/main" id="{CD1FB5AE-8CAD-F89D-3772-764AE2A5C554}"/>
               </a:ext>
             </a:extLst>
           </p:cNvPr>
@@ -4668,7 +4892,7 @@
     </p:spTree>
     <p:extLst>
       <p:ext uri="{BB962C8B-B14F-4D97-AF65-F5344CB8AC3E}">
-        <p14:creationId xmlns:p14="http://schemas.microsoft.com/office/powerpoint/2010/main" val="2518066926"/>
+        <p14:creationId xmlns:p14="http://schemas.microsoft.com/office/powerpoint/2010/main" val="3238654278"/>
       </p:ext>
     </p:extLst>
   </p:cSld>
